--- a/DFT_DesignForTest/MBIST_LBIST_Introduction.pptx
+++ b/DFT_DesignForTest/MBIST_LBIST_Introduction.pptx
@@ -5,7 +5,7 @@
     <p:sldMasterId id="2147483648" r:id="rId1"/>
   </p:sldMasterIdLst>
   <p:notesMasterIdLst>
-    <p:notesMasterId r:id="rId11"/>
+    <p:notesMasterId r:id="rId9"/>
   </p:notesMasterIdLst>
   <p:sldIdLst>
     <p:sldId id="256" r:id="rId2"/>
@@ -15,18 +15,16 @@
     <p:sldId id="272" r:id="rId6"/>
     <p:sldId id="273" r:id="rId7"/>
     <p:sldId id="271" r:id="rId8"/>
-    <p:sldId id="270" r:id="rId9"/>
-    <p:sldId id="260" r:id="rId10"/>
   </p:sldIdLst>
   <p:sldSz cx="12192000" cy="6858000"/>
   <p:notesSz cx="6858000" cy="9144000"/>
   <p:embeddedFontLst>
     <p:embeddedFont>
       <p:font typeface="Century Gothic" panose="020B0502020202020204" pitchFamily="34" charset="0"/>
-      <p:regular r:id="rId12"/>
-      <p:bold r:id="rId13"/>
-      <p:italic r:id="rId14"/>
-      <p:boldItalic r:id="rId15"/>
+      <p:regular r:id="rId10"/>
+      <p:bold r:id="rId11"/>
+      <p:italic r:id="rId12"/>
+      <p:boldItalic r:id="rId13"/>
     </p:embeddedFont>
   </p:embeddedFontLst>
   <p:defaultTextStyle>
@@ -1142,115 +1140,6 @@
     <p:extLst>
       <p:ext uri="{BB962C8B-B14F-4D97-AF65-F5344CB8AC3E}">
         <p14:creationId xmlns:p14="http://schemas.microsoft.com/office/powerpoint/2010/main" val="836034917"/>
-      </p:ext>
-    </p:extLst>
-  </p:cSld>
-  <p:clrMapOvr>
-    <a:masterClrMapping/>
-  </p:clrMapOvr>
-</p:notes>
-</file>
-
-<file path=ppt/notesSlides/notesSlide5.xml><?xml version="1.0" encoding="utf-8"?>
-<p:notes xmlns:a="http://schemas.openxmlformats.org/drawingml/2006/main" xmlns:r="http://schemas.openxmlformats.org/officeDocument/2006/relationships" xmlns:p="http://schemas.openxmlformats.org/presentationml/2006/main" showMasterSp="0" showMasterPhAnim="0">
-  <p:cSld>
-    <p:spTree>
-      <p:nvGrpSpPr>
-        <p:cNvPr id="1" name="Shape 294"/>
-        <p:cNvGrpSpPr/>
-        <p:nvPr/>
-      </p:nvGrpSpPr>
-      <p:grpSpPr>
-        <a:xfrm>
-          <a:off x="0" y="0"/>
-          <a:ext cx="0" cy="0"/>
-          <a:chOff x="0" y="0"/>
-          <a:chExt cx="0" cy="0"/>
-        </a:xfrm>
-      </p:grpSpPr>
-      <p:sp>
-        <p:nvSpPr>
-          <p:cNvPr id="295" name="Google Shape;295;p5:notes"/>
-          <p:cNvSpPr txBox="1">
-            <a:spLocks noGrp="1"/>
-          </p:cNvSpPr>
-          <p:nvPr>
-            <p:ph type="body" idx="1"/>
-          </p:nvPr>
-        </p:nvSpPr>
-        <p:spPr>
-          <a:xfrm>
-            <a:off x="685800" y="4343400"/>
-            <a:ext cx="5486400" cy="4114800"/>
-          </a:xfrm>
-          <a:prstGeom prst="rect">
-            <a:avLst/>
-          </a:prstGeom>
-        </p:spPr>
-        <p:txBody>
-          <a:bodyPr spcFirstLastPara="1" wrap="square" lIns="91425" tIns="91425" rIns="91425" bIns="91425" anchor="t" anchorCtr="0">
-            <a:noAutofit/>
-          </a:bodyPr>
-          <a:lstStyle/>
-          <a:p>
-            <a:pPr marL="0" lvl="0" indent="0" algn="l" rtl="0">
-              <a:spcBef>
-                <a:spcPts val="0"/>
-              </a:spcBef>
-              <a:spcAft>
-                <a:spcPts val="0"/>
-              </a:spcAft>
-              <a:buNone/>
-            </a:pPr>
-            <a:endParaRPr/>
-          </a:p>
-        </p:txBody>
-      </p:sp>
-      <p:sp>
-        <p:nvSpPr>
-          <p:cNvPr id="296" name="Google Shape;296;p5:notes"/>
-          <p:cNvSpPr>
-            <a:spLocks noGrp="1" noRot="1" noChangeAspect="1"/>
-          </p:cNvSpPr>
-          <p:nvPr>
-            <p:ph type="sldImg" idx="2"/>
-          </p:nvPr>
-        </p:nvSpPr>
-        <p:spPr>
-          <a:xfrm>
-            <a:off x="381000" y="685800"/>
-            <a:ext cx="6096000" cy="3429000"/>
-          </a:xfrm>
-          <a:custGeom>
-            <a:avLst/>
-            <a:gdLst/>
-            <a:ahLst/>
-            <a:cxnLst/>
-            <a:rect l="l" t="t" r="r" b="b"/>
-            <a:pathLst>
-              <a:path w="120000" h="120000" extrusionOk="0">
-                <a:moveTo>
-                  <a:pt x="0" y="0"/>
-                </a:moveTo>
-                <a:lnTo>
-                  <a:pt x="120000" y="0"/>
-                </a:lnTo>
-                <a:lnTo>
-                  <a:pt x="120000" y="120000"/>
-                </a:lnTo>
-                <a:lnTo>
-                  <a:pt x="0" y="120000"/>
-                </a:lnTo>
-                <a:close/>
-              </a:path>
-            </a:pathLst>
-          </a:custGeom>
-        </p:spPr>
-      </p:sp>
-    </p:spTree>
-    <p:extLst>
-      <p:ext uri="{BB962C8B-B14F-4D97-AF65-F5344CB8AC3E}">
-        <p14:creationId xmlns:p14="http://schemas.microsoft.com/office/powerpoint/2010/main" val="1685799595"/>
       </p:ext>
     </p:extLst>
   </p:cSld>
@@ -25793,7 +25682,7 @@
             </a:pPr>
             <a:r>
               <a:rPr lang="en-US" dirty="0" smtClean="0"/>
-              <a:t>MBIST Introduction</a:t>
+              <a:t>MBIST - LBIST Introduction</a:t>
             </a:r>
             <a:endParaRPr dirty="0"/>
           </a:p>
@@ -26004,7 +25893,23 @@
             </a:pPr>
             <a:r>
               <a:rPr lang="en-US" sz="2800" dirty="0" smtClean="0"/>
-              <a:t>Application</a:t>
+              <a:t>Build-in self repair</a:t>
+            </a:r>
+          </a:p>
+          <a:p>
+            <a:pPr marL="342900" lvl="0" indent="-342900" algn="l" rtl="0">
+              <a:spcBef>
+                <a:spcPts val="1000"/>
+              </a:spcBef>
+              <a:spcAft>
+                <a:spcPts val="0"/>
+              </a:spcAft>
+              <a:buSzPts val="2240"/>
+              <a:buChar char="►"/>
+            </a:pPr>
+            <a:r>
+              <a:rPr lang="en-US" sz="2800" dirty="0" smtClean="0"/>
+              <a:t>Logic BIST</a:t>
             </a:r>
             <a:endParaRPr dirty="0"/>
           </a:p>
@@ -26132,7 +26037,7 @@
         <p:spPr>
           <a:xfrm>
             <a:off x="1154954" y="2603500"/>
-            <a:ext cx="9857603" cy="1384954"/>
+            <a:ext cx="9857603" cy="1015622"/>
           </a:xfrm>
           <a:prstGeom prst="rect">
             <a:avLst/>
@@ -26160,7 +26065,7 @@
               <a:buNone/>
             </a:pPr>
             <a:r>
-              <a:rPr lang="en-US" sz="2800" dirty="0" smtClean="0">
+              <a:rPr lang="en-US" sz="2000" dirty="0" smtClean="0">
                 <a:solidFill>
                   <a:schemeClr val="dk1"/>
                 </a:solidFill>
@@ -26183,7 +26088,7 @@
               <a:buNone/>
             </a:pPr>
             <a:r>
-              <a:rPr lang="en-US" sz="2800" dirty="0">
+              <a:rPr lang="en-US" sz="2000" dirty="0">
                 <a:solidFill>
                   <a:schemeClr val="dk1"/>
                 </a:solidFill>
@@ -26195,7 +26100,7 @@
               <a:t> </a:t>
             </a:r>
             <a:r>
-              <a:rPr lang="en-US" sz="2800" dirty="0" smtClean="0">
+              <a:rPr lang="en-US" sz="2000" dirty="0" smtClean="0">
                 <a:solidFill>
                   <a:schemeClr val="dk1"/>
                 </a:solidFill>
@@ -26206,7 +26111,7 @@
               </a:rPr>
               <a:t>- Extra circuits would be added around memories, </a:t>
             </a:r>
-            <a:endParaRPr sz="2800" dirty="0">
+            <a:endParaRPr sz="2000" dirty="0">
               <a:solidFill>
                 <a:schemeClr val="dk1"/>
               </a:solidFill>
@@ -26234,7 +26139,7 @@
         </p:blipFill>
         <p:spPr>
           <a:xfrm>
-            <a:off x="6083755" y="3988454"/>
+            <a:off x="6083755" y="3740024"/>
             <a:ext cx="5772150" cy="2819400"/>
           </a:xfrm>
           <a:prstGeom prst="rect">
@@ -26250,8 +26155,8 @@
         </p:nvSpPr>
         <p:spPr>
           <a:xfrm>
-            <a:off x="1243854" y="4003401"/>
-            <a:ext cx="4928802" cy="3108503"/>
+            <a:off x="1154954" y="3740024"/>
+            <a:ext cx="5117189" cy="1631175"/>
           </a:xfrm>
           <a:prstGeom prst="rect">
             <a:avLst/>
@@ -26279,7 +26184,7 @@
               <a:buNone/>
             </a:pPr>
             <a:r>
-              <a:rPr lang="en-US" sz="2800" dirty="0" smtClean="0">
+              <a:rPr lang="en-US" sz="2000" dirty="0" smtClean="0">
                 <a:solidFill>
                   <a:schemeClr val="dk1"/>
                 </a:solidFill>
@@ -26290,7 +26195,7 @@
               </a:rPr>
               <a:t>The circuit uses pattern shifted pattern from tester to execute testing and send response back. </a:t>
             </a:r>
-            <a:endParaRPr lang="en-US" sz="2800" dirty="0">
+            <a:endParaRPr lang="en-US" sz="2000" dirty="0">
               <a:solidFill>
                 <a:schemeClr val="dk1"/>
               </a:solidFill>
@@ -26311,7 +26216,7 @@
               <a:buNone/>
             </a:pPr>
             <a:r>
-              <a:rPr lang="en-US" sz="2800" dirty="0" smtClean="0">
+              <a:rPr lang="en-US" sz="2000" dirty="0" smtClean="0">
                 <a:solidFill>
                   <a:schemeClr val="dk1"/>
                 </a:solidFill>
@@ -26572,7 +26477,7 @@
         </p:blipFill>
         <p:spPr>
           <a:xfrm>
-            <a:off x="7025435" y="2618318"/>
+            <a:off x="7078444" y="2459292"/>
             <a:ext cx="4886325" cy="3352800"/>
           </a:xfrm>
           <a:prstGeom prst="rect">
@@ -26598,7 +26503,7 @@
         </p:spPr>
         <p:txBody>
           <a:bodyPr>
-            <a:normAutofit fontScale="92500" lnSpcReduction="20000"/>
+            <a:normAutofit fontScale="85000" lnSpcReduction="10000"/>
           </a:bodyPr>
           <a:lstStyle/>
           <a:p>
@@ -26610,7 +26515,7 @@
           <a:p>
             <a:r>
               <a:rPr lang="vi-VN" dirty="0" smtClean="0"/>
-              <a:t>Hard repair </a:t>
+              <a:t>Hard repair stores repair configuration in fuse box, there’s two kinds of fuse</a:t>
             </a:r>
           </a:p>
           <a:p>
@@ -26700,14 +26605,38 @@
             <p:ph type="body" idx="1"/>
           </p:nvPr>
         </p:nvSpPr>
-        <p:spPr/>
+        <p:spPr>
+          <a:xfrm>
+            <a:off x="1154954" y="2603499"/>
+            <a:ext cx="8825659" cy="3757543"/>
+          </a:xfrm>
+        </p:spPr>
         <p:txBody>
-          <a:bodyPr/>
+          <a:bodyPr>
+            <a:normAutofit fontScale="85000" lnSpcReduction="10000"/>
+          </a:bodyPr>
           <a:lstStyle/>
           <a:p>
             <a:r>
               <a:rPr lang="vi-VN" dirty="0" smtClean="0"/>
-              <a:t>To detect latent fault which may not apperant or detectable during manufactoring testing but may cause failure after a period of time under environmental conditions. </a:t>
+              <a:t>A form of logic self testing in which logic in a chip could be tested on-chip itself.</a:t>
+            </a:r>
+          </a:p>
+          <a:p>
+            <a:r>
+              <a:rPr lang="vi-VN" b="1" dirty="0" smtClean="0"/>
+              <a:t>Purpose</a:t>
+            </a:r>
+            <a:r>
+              <a:rPr lang="vi-VN" dirty="0" smtClean="0"/>
+              <a:t> </a:t>
+            </a:r>
+          </a:p>
+          <a:p>
+            <a:pPr lvl="1"/>
+            <a:r>
+              <a:rPr lang="vi-VN" dirty="0" smtClean="0"/>
+              <a:t>is to detect latent fault which may not apperant or detectable during manufactoring testing but may cause failure after a period of time under environmental conditions. </a:t>
             </a:r>
             <a:r>
               <a:rPr lang="en-US" dirty="0" smtClean="0"/>
@@ -26727,10 +26656,16 @@
             </a:r>
           </a:p>
           <a:p>
+            <a:r>
+              <a:rPr lang="vi-VN" b="1" dirty="0" smtClean="0"/>
+              <a:t>Feature</a:t>
+            </a:r>
+          </a:p>
+          <a:p>
             <a:pPr lvl="1"/>
             <a:r>
               <a:rPr lang="vi-VN" dirty="0" smtClean="0"/>
-              <a:t>Need of performing routine tests on itself</a:t>
+              <a:t>For need of performing routine tests on itself</a:t>
             </a:r>
           </a:p>
           <a:p>
@@ -26835,7 +26770,12 @@
             <p:ph type="body" idx="1"/>
           </p:nvPr>
         </p:nvSpPr>
-        <p:spPr/>
+        <p:spPr>
+          <a:xfrm>
+            <a:off x="1154954" y="2603500"/>
+            <a:ext cx="9155237" cy="3770796"/>
+          </a:xfrm>
+        </p:spPr>
         <p:txBody>
           <a:bodyPr>
             <a:normAutofit fontScale="92500" lnSpcReduction="20000"/>
@@ -26918,10 +26858,25 @@
           </a:p>
           <a:p>
             <a:r>
+              <a:rPr lang="vi-VN" dirty="0">
+                <a:hlinkClick r:id="rId6"/>
+              </a:rPr>
+              <a:t>https://</a:t>
+            </a:r>
+            <a:r>
+              <a:rPr lang="vi-VN" dirty="0" smtClean="0">
+                <a:hlinkClick r:id="rId6"/>
+              </a:rPr>
+              <a:t>www.design-reuse.com/articles/38290/lbist-a-technique-for-infield-safety.html</a:t>
+            </a:r>
+            <a:endParaRPr lang="vi-VN" dirty="0" smtClean="0"/>
+          </a:p>
+          <a:p>
+            <a:r>
               <a:rPr lang="vi-VN" dirty="0"/>
-              <a:t>https://www.design-reuse.com/articles/38290/lbist-a-technique-for-infield-safety.html</a:t>
+              <a:t>https://vlsitutorials.com/logic-built-in-self-test-lbist/</a:t>
             </a:r>
-            <a:endParaRPr lang="vi-VN" dirty="0"/>
+            <a:endParaRPr lang="vi-VN" dirty="0" smtClean="0"/>
           </a:p>
         </p:txBody>
       </p:sp>
@@ -26935,417 +26890,6 @@
   <p:clrMapOvr>
     <a:masterClrMapping/>
   </p:clrMapOvr>
-</p:sld>
-</file>
-
-<file path=ppt/slides/slide8.xml><?xml version="1.0" encoding="utf-8"?>
-<p:sld xmlns:a="http://schemas.openxmlformats.org/drawingml/2006/main" xmlns:r="http://schemas.openxmlformats.org/officeDocument/2006/relationships" xmlns:p="http://schemas.openxmlformats.org/presentationml/2006/main">
-  <p:cSld>
-    <p:spTree>
-      <p:nvGrpSpPr>
-        <p:cNvPr id="1" name=""/>
-        <p:cNvGrpSpPr/>
-        <p:nvPr/>
-      </p:nvGrpSpPr>
-      <p:grpSpPr>
-        <a:xfrm>
-          <a:off x="0" y="0"/>
-          <a:ext cx="0" cy="0"/>
-          <a:chOff x="0" y="0"/>
-          <a:chExt cx="0" cy="0"/>
-        </a:xfrm>
-      </p:grpSpPr>
-      <p:sp>
-        <p:nvSpPr>
-          <p:cNvPr id="2" name="Title 1"/>
-          <p:cNvSpPr>
-            <a:spLocks noGrp="1"/>
-          </p:cNvSpPr>
-          <p:nvPr>
-            <p:ph type="title"/>
-          </p:nvPr>
-        </p:nvSpPr>
-        <p:spPr/>
-        <p:txBody>
-          <a:bodyPr/>
-          <a:lstStyle/>
-          <a:p>
-            <a:endParaRPr lang="vi-VN"/>
-          </a:p>
-        </p:txBody>
-      </p:sp>
-      <p:sp>
-        <p:nvSpPr>
-          <p:cNvPr id="3" name="Text Placeholder 2"/>
-          <p:cNvSpPr>
-            <a:spLocks noGrp="1"/>
-          </p:cNvSpPr>
-          <p:nvPr>
-            <p:ph type="body" idx="1"/>
-          </p:nvPr>
-        </p:nvSpPr>
-        <p:spPr/>
-        <p:txBody>
-          <a:bodyPr/>
-          <a:lstStyle/>
-          <a:p>
-            <a:endParaRPr lang="vi-VN"/>
-          </a:p>
-        </p:txBody>
-      </p:sp>
-      <p:pic>
-        <p:nvPicPr>
-          <p:cNvPr id="4" name="Picture 3"/>
-          <p:cNvPicPr>
-            <a:picLocks noChangeAspect="1"/>
-          </p:cNvPicPr>
-          <p:nvPr/>
-        </p:nvPicPr>
-        <p:blipFill>
-          <a:blip r:embed="rId2">
-            <a:extLst>
-              <a:ext uri="{28A0092B-C50C-407E-A947-70E740481C1C}">
-                <a14:useLocalDpi xmlns:a14="http://schemas.microsoft.com/office/drawing/2010/main" val="0"/>
-              </a:ext>
-            </a:extLst>
-          </a:blip>
-          <a:stretch>
-            <a:fillRect/>
-          </a:stretch>
-        </p:blipFill>
-        <p:spPr>
-          <a:xfrm>
-            <a:off x="3816889" y="2218060"/>
-            <a:ext cx="4515810" cy="1577440"/>
-          </a:xfrm>
-          <a:prstGeom prst="rect">
-            <a:avLst/>
-          </a:prstGeom>
-        </p:spPr>
-      </p:pic>
-      <p:pic>
-        <p:nvPicPr>
-          <p:cNvPr id="5" name="Picture 4"/>
-          <p:cNvPicPr>
-            <a:picLocks noChangeAspect="1"/>
-          </p:cNvPicPr>
-          <p:nvPr/>
-        </p:nvPicPr>
-        <p:blipFill>
-          <a:blip r:embed="rId3">
-            <a:extLst>
-              <a:ext uri="{28A0092B-C50C-407E-A947-70E740481C1C}">
-                <a14:useLocalDpi xmlns:a14="http://schemas.microsoft.com/office/drawing/2010/main" val="0"/>
-              </a:ext>
-            </a:extLst>
-          </a:blip>
-          <a:stretch>
-            <a:fillRect/>
-          </a:stretch>
-        </p:blipFill>
-        <p:spPr>
-          <a:xfrm>
-            <a:off x="7083967" y="3850651"/>
-            <a:ext cx="2896646" cy="2558077"/>
-          </a:xfrm>
-          <a:prstGeom prst="rect">
-            <a:avLst/>
-          </a:prstGeom>
-        </p:spPr>
-      </p:pic>
-      <p:pic>
-        <p:nvPicPr>
-          <p:cNvPr id="6" name="Picture 5"/>
-          <p:cNvPicPr>
-            <a:picLocks noChangeAspect="1"/>
-          </p:cNvPicPr>
-          <p:nvPr/>
-        </p:nvPicPr>
-        <p:blipFill>
-          <a:blip r:embed="rId4">
-            <a:extLst>
-              <a:ext uri="{28A0092B-C50C-407E-A947-70E740481C1C}">
-                <a14:useLocalDpi xmlns:a14="http://schemas.microsoft.com/office/drawing/2010/main" val="0"/>
-              </a:ext>
-            </a:extLst>
-          </a:blip>
-          <a:stretch>
-            <a:fillRect/>
-          </a:stretch>
-        </p:blipFill>
-        <p:spPr>
-          <a:xfrm>
-            <a:off x="3816889" y="4048697"/>
-            <a:ext cx="2872249" cy="2360031"/>
-          </a:xfrm>
-          <a:prstGeom prst="rect">
-            <a:avLst/>
-          </a:prstGeom>
-        </p:spPr>
-      </p:pic>
-    </p:spTree>
-    <p:extLst>
-      <p:ext uri="{BB962C8B-B14F-4D97-AF65-F5344CB8AC3E}">
-        <p14:creationId xmlns:p14="http://schemas.microsoft.com/office/powerpoint/2010/main" val="3900451515"/>
-      </p:ext>
-    </p:extLst>
-  </p:cSld>
-  <p:clrMapOvr>
-    <a:masterClrMapping/>
-  </p:clrMapOvr>
-  <p:timing>
-    <p:tnLst>
-      <p:par>
-        <p:cTn id="1" dur="indefinite" restart="never" nodeType="tmRoot"/>
-      </p:par>
-    </p:tnLst>
-  </p:timing>
-</p:sld>
-</file>
-
-<file path=ppt/slides/slide9.xml><?xml version="1.0" encoding="utf-8"?>
-<p:sld xmlns:a="http://schemas.openxmlformats.org/drawingml/2006/main" xmlns:r="http://schemas.openxmlformats.org/officeDocument/2006/relationships" xmlns:p="http://schemas.openxmlformats.org/presentationml/2006/main">
-  <p:cSld>
-    <p:spTree>
-      <p:nvGrpSpPr>
-        <p:cNvPr id="1" name="Shape 297"/>
-        <p:cNvGrpSpPr/>
-        <p:nvPr/>
-      </p:nvGrpSpPr>
-      <p:grpSpPr>
-        <a:xfrm>
-          <a:off x="0" y="0"/>
-          <a:ext cx="0" cy="0"/>
-          <a:chOff x="0" y="0"/>
-          <a:chExt cx="0" cy="0"/>
-        </a:xfrm>
-      </p:grpSpPr>
-      <p:sp>
-        <p:nvSpPr>
-          <p:cNvPr id="298" name="Google Shape;298;p5"/>
-          <p:cNvSpPr txBox="1">
-            <a:spLocks noGrp="1"/>
-          </p:cNvSpPr>
-          <p:nvPr>
-            <p:ph type="title"/>
-          </p:nvPr>
-        </p:nvSpPr>
-        <p:spPr>
-          <a:xfrm>
-            <a:off x="1154954" y="973668"/>
-            <a:ext cx="8761413" cy="706964"/>
-          </a:xfrm>
-          <a:prstGeom prst="rect">
-            <a:avLst/>
-          </a:prstGeom>
-          <a:noFill/>
-          <a:ln>
-            <a:noFill/>
-          </a:ln>
-        </p:spPr>
-        <p:txBody>
-          <a:bodyPr spcFirstLastPara="1" wrap="square" lIns="91425" tIns="45700" rIns="91425" bIns="45700" anchor="ctr" anchorCtr="0">
-            <a:noAutofit/>
-          </a:bodyPr>
-          <a:lstStyle/>
-          <a:p>
-            <a:pPr marL="0" lvl="0" indent="0" algn="l" rtl="0">
-              <a:spcBef>
-                <a:spcPts val="0"/>
-              </a:spcBef>
-              <a:spcAft>
-                <a:spcPts val="0"/>
-              </a:spcAft>
-              <a:buClr>
-                <a:schemeClr val="lt2"/>
-              </a:buClr>
-              <a:buSzPts val="3600"/>
-              <a:buFont typeface="Century Gothic"/>
-              <a:buNone/>
-            </a:pPr>
-            <a:r>
-              <a:rPr lang="en-US" dirty="0" smtClean="0"/>
-              <a:t>Application</a:t>
-            </a:r>
-            <a:endParaRPr dirty="0"/>
-          </a:p>
-        </p:txBody>
-      </p:sp>
-      <p:sp>
-        <p:nvSpPr>
-          <p:cNvPr id="5" name="Google Shape;286;p3"/>
-          <p:cNvSpPr txBox="1"/>
-          <p:nvPr/>
-        </p:nvSpPr>
-        <p:spPr>
-          <a:xfrm>
-            <a:off x="1154953" y="2605703"/>
-            <a:ext cx="9773241" cy="523180"/>
-          </a:xfrm>
-          <a:prstGeom prst="rect">
-            <a:avLst/>
-          </a:prstGeom>
-          <a:solidFill>
-            <a:schemeClr val="lt1"/>
-          </a:solidFill>
-          <a:ln>
-            <a:noFill/>
-          </a:ln>
-        </p:spPr>
-        <p:txBody>
-          <a:bodyPr spcFirstLastPara="1" wrap="square" lIns="91425" tIns="45700" rIns="91425" bIns="45700" anchor="t" anchorCtr="0">
-            <a:spAutoFit/>
-          </a:bodyPr>
-          <a:lstStyle/>
-          <a:p>
-            <a:pPr marL="457200" marR="0" lvl="0" indent="-457200" algn="l" rtl="0">
-              <a:spcBef>
-                <a:spcPts val="0"/>
-              </a:spcBef>
-              <a:spcAft>
-                <a:spcPts val="0"/>
-              </a:spcAft>
-              <a:buFontTx/>
-              <a:buChar char="-"/>
-            </a:pPr>
-            <a:r>
-              <a:rPr lang="en-US" sz="2800" dirty="0" smtClean="0">
-                <a:solidFill>
-                  <a:schemeClr val="dk1"/>
-                </a:solidFill>
-                <a:latin typeface="Century Gothic"/>
-                <a:ea typeface="Century Gothic"/>
-                <a:cs typeface="Century Gothic"/>
-                <a:sym typeface="Century Gothic"/>
-              </a:rPr>
-              <a:t>All type of memories: ROM, DRAM, SRAM, </a:t>
-            </a:r>
-            <a:r>
-              <a:rPr lang="en-US" sz="2800" dirty="0" err="1" smtClean="0">
-                <a:solidFill>
-                  <a:schemeClr val="dk1"/>
-                </a:solidFill>
-                <a:latin typeface="Century Gothic"/>
-                <a:ea typeface="Century Gothic"/>
-                <a:cs typeface="Century Gothic"/>
-                <a:sym typeface="Century Gothic"/>
-              </a:rPr>
-              <a:t>AsyncRAM</a:t>
-            </a:r>
-            <a:endParaRPr sz="2800" dirty="0">
-              <a:solidFill>
-                <a:schemeClr val="dk1"/>
-              </a:solidFill>
-              <a:latin typeface="Century Gothic"/>
-              <a:ea typeface="Century Gothic"/>
-              <a:cs typeface="Century Gothic"/>
-              <a:sym typeface="Century Gothic"/>
-            </a:endParaRPr>
-          </a:p>
-        </p:txBody>
-      </p:sp>
-      <p:pic>
-        <p:nvPicPr>
-          <p:cNvPr id="2" name="Picture 1"/>
-          <p:cNvPicPr>
-            <a:picLocks noChangeAspect="1"/>
-          </p:cNvPicPr>
-          <p:nvPr/>
-        </p:nvPicPr>
-        <p:blipFill>
-          <a:blip r:embed="rId3">
-            <a:extLst>
-              <a:ext uri="{28A0092B-C50C-407E-A947-70E740481C1C}">
-                <a14:useLocalDpi xmlns:a14="http://schemas.microsoft.com/office/drawing/2010/main" val="0"/>
-              </a:ext>
-            </a:extLst>
-          </a:blip>
-          <a:stretch>
-            <a:fillRect/>
-          </a:stretch>
-        </p:blipFill>
-        <p:spPr>
-          <a:xfrm>
-            <a:off x="1997001" y="4140072"/>
-            <a:ext cx="6527800" cy="3020325"/>
-          </a:xfrm>
-          <a:prstGeom prst="rect">
-            <a:avLst/>
-          </a:prstGeom>
-        </p:spPr>
-      </p:pic>
-      <p:pic>
-        <p:nvPicPr>
-          <p:cNvPr id="3" name="Picture 2"/>
-          <p:cNvPicPr>
-            <a:picLocks noChangeAspect="1"/>
-          </p:cNvPicPr>
-          <p:nvPr/>
-        </p:nvPicPr>
-        <p:blipFill>
-          <a:blip r:embed="rId4">
-            <a:extLst>
-              <a:ext uri="{28A0092B-C50C-407E-A947-70E740481C1C}">
-                <a14:useLocalDpi xmlns:a14="http://schemas.microsoft.com/office/drawing/2010/main" val="0"/>
-              </a:ext>
-            </a:extLst>
-          </a:blip>
-          <a:stretch>
-            <a:fillRect/>
-          </a:stretch>
-        </p:blipFill>
-        <p:spPr>
-          <a:xfrm>
-            <a:off x="7407945" y="963622"/>
-            <a:ext cx="4784055" cy="2631458"/>
-          </a:xfrm>
-          <a:prstGeom prst="rect">
-            <a:avLst/>
-          </a:prstGeom>
-        </p:spPr>
-      </p:pic>
-      <p:pic>
-        <p:nvPicPr>
-          <p:cNvPr id="4" name="Picture 3"/>
-          <p:cNvPicPr>
-            <a:picLocks noChangeAspect="1"/>
-          </p:cNvPicPr>
-          <p:nvPr/>
-        </p:nvPicPr>
-        <p:blipFill>
-          <a:blip r:embed="rId5">
-            <a:extLst>
-              <a:ext uri="{28A0092B-C50C-407E-A947-70E740481C1C}">
-                <a14:useLocalDpi xmlns:a14="http://schemas.microsoft.com/office/drawing/2010/main" val="0"/>
-              </a:ext>
-            </a:extLst>
-          </a:blip>
-          <a:stretch>
-            <a:fillRect/>
-          </a:stretch>
-        </p:blipFill>
-        <p:spPr>
-          <a:xfrm>
-            <a:off x="-875599" y="551200"/>
-            <a:ext cx="5745200" cy="2801378"/>
-          </a:xfrm>
-          <a:prstGeom prst="rect">
-            <a:avLst/>
-          </a:prstGeom>
-        </p:spPr>
-      </p:pic>
-    </p:spTree>
-  </p:cSld>
-  <p:clrMapOvr>
-    <a:masterClrMapping/>
-  </p:clrMapOvr>
-  <p:timing>
-    <p:tnLst>
-      <p:par>
-        <p:cTn id="1" dur="indefinite" restart="never" nodeType="tmRoot"/>
-      </p:par>
-    </p:tnLst>
-  </p:timing>
 </p:sld>
 </file>
 
